--- a/images/2PC.pptx
+++ b/images/2PC.pptx
@@ -259,7 +259,7 @@
           <a:p>
             <a:fld id="{1E59F7D0-BD44-4556-8C3E-44D1CF9A165D}" type="datetimeFigureOut">
               <a:rPr lang="zh-CN" altLang="en-US" smtClean="0"/>
-              <a:t>2020/9/5</a:t>
+              <a:t>2021/1/24</a:t>
             </a:fld>
             <a:endParaRPr lang="zh-CN" altLang="en-US"/>
           </a:p>
@@ -457,7 +457,7 @@
           <a:p>
             <a:fld id="{1E59F7D0-BD44-4556-8C3E-44D1CF9A165D}" type="datetimeFigureOut">
               <a:rPr lang="zh-CN" altLang="en-US" smtClean="0"/>
-              <a:t>2020/9/5</a:t>
+              <a:t>2021/1/24</a:t>
             </a:fld>
             <a:endParaRPr lang="zh-CN" altLang="en-US"/>
           </a:p>
@@ -665,7 +665,7 @@
           <a:p>
             <a:fld id="{1E59F7D0-BD44-4556-8C3E-44D1CF9A165D}" type="datetimeFigureOut">
               <a:rPr lang="zh-CN" altLang="en-US" smtClean="0"/>
-              <a:t>2020/9/5</a:t>
+              <a:t>2021/1/24</a:t>
             </a:fld>
             <a:endParaRPr lang="zh-CN" altLang="en-US"/>
           </a:p>
@@ -863,7 +863,7 @@
           <a:p>
             <a:fld id="{1E59F7D0-BD44-4556-8C3E-44D1CF9A165D}" type="datetimeFigureOut">
               <a:rPr lang="zh-CN" altLang="en-US" smtClean="0"/>
-              <a:t>2020/9/5</a:t>
+              <a:t>2021/1/24</a:t>
             </a:fld>
             <a:endParaRPr lang="zh-CN" altLang="en-US"/>
           </a:p>
@@ -1138,7 +1138,7 @@
           <a:p>
             <a:fld id="{1E59F7D0-BD44-4556-8C3E-44D1CF9A165D}" type="datetimeFigureOut">
               <a:rPr lang="zh-CN" altLang="en-US" smtClean="0"/>
-              <a:t>2020/9/5</a:t>
+              <a:t>2021/1/24</a:t>
             </a:fld>
             <a:endParaRPr lang="zh-CN" altLang="en-US"/>
           </a:p>
@@ -1403,7 +1403,7 @@
           <a:p>
             <a:fld id="{1E59F7D0-BD44-4556-8C3E-44D1CF9A165D}" type="datetimeFigureOut">
               <a:rPr lang="zh-CN" altLang="en-US" smtClean="0"/>
-              <a:t>2020/9/5</a:t>
+              <a:t>2021/1/24</a:t>
             </a:fld>
             <a:endParaRPr lang="zh-CN" altLang="en-US"/>
           </a:p>
@@ -1815,7 +1815,7 @@
           <a:p>
             <a:fld id="{1E59F7D0-BD44-4556-8C3E-44D1CF9A165D}" type="datetimeFigureOut">
               <a:rPr lang="zh-CN" altLang="en-US" smtClean="0"/>
-              <a:t>2020/9/5</a:t>
+              <a:t>2021/1/24</a:t>
             </a:fld>
             <a:endParaRPr lang="zh-CN" altLang="en-US"/>
           </a:p>
@@ -1956,7 +1956,7 @@
           <a:p>
             <a:fld id="{1E59F7D0-BD44-4556-8C3E-44D1CF9A165D}" type="datetimeFigureOut">
               <a:rPr lang="zh-CN" altLang="en-US" smtClean="0"/>
-              <a:t>2020/9/5</a:t>
+              <a:t>2021/1/24</a:t>
             </a:fld>
             <a:endParaRPr lang="zh-CN" altLang="en-US"/>
           </a:p>
@@ -2069,7 +2069,7 @@
           <a:p>
             <a:fld id="{1E59F7D0-BD44-4556-8C3E-44D1CF9A165D}" type="datetimeFigureOut">
               <a:rPr lang="zh-CN" altLang="en-US" smtClean="0"/>
-              <a:t>2020/9/5</a:t>
+              <a:t>2021/1/24</a:t>
             </a:fld>
             <a:endParaRPr lang="zh-CN" altLang="en-US"/>
           </a:p>
@@ -2380,7 +2380,7 @@
           <a:p>
             <a:fld id="{1E59F7D0-BD44-4556-8C3E-44D1CF9A165D}" type="datetimeFigureOut">
               <a:rPr lang="zh-CN" altLang="en-US" smtClean="0"/>
-              <a:t>2020/9/5</a:t>
+              <a:t>2021/1/24</a:t>
             </a:fld>
             <a:endParaRPr lang="zh-CN" altLang="en-US"/>
           </a:p>
@@ -2668,7 +2668,7 @@
           <a:p>
             <a:fld id="{1E59F7D0-BD44-4556-8C3E-44D1CF9A165D}" type="datetimeFigureOut">
               <a:rPr lang="zh-CN" altLang="en-US" smtClean="0"/>
-              <a:t>2020/9/5</a:t>
+              <a:t>2021/1/24</a:t>
             </a:fld>
             <a:endParaRPr lang="zh-CN" altLang="en-US"/>
           </a:p>
@@ -2909,7 +2909,7 @@
           <a:p>
             <a:fld id="{1E59F7D0-BD44-4556-8C3E-44D1CF9A165D}" type="datetimeFigureOut">
               <a:rPr lang="zh-CN" altLang="en-US" smtClean="0"/>
-              <a:t>2020/9/5</a:t>
+              <a:t>2021/1/24</a:t>
             </a:fld>
             <a:endParaRPr lang="zh-CN" altLang="en-US"/>
           </a:p>
@@ -3586,42 +3586,6 @@
           </a:fontRef>
         </p:style>
       </p:cxnSp>
-      <p:sp>
-        <p:nvSpPr>
-          <p:cNvPr id="22" name="文本框 21">
-            <a:extLst>
-              <a:ext uri="{FF2B5EF4-FFF2-40B4-BE49-F238E27FC236}">
-                <a16:creationId xmlns:a16="http://schemas.microsoft.com/office/drawing/2014/main" id="{41558B49-F099-475F-A31E-31F4EFEA6069}"/>
-              </a:ext>
-            </a:extLst>
-          </p:cNvPr>
-          <p:cNvSpPr txBox="1"/>
-          <p:nvPr/>
-        </p:nvSpPr>
-        <p:spPr>
-          <a:xfrm>
-            <a:off x="3687572" y="827609"/>
-            <a:ext cx="1277415" cy="369332"/>
-          </a:xfrm>
-          <a:prstGeom prst="rect">
-            <a:avLst/>
-          </a:prstGeom>
-          <a:noFill/>
-        </p:spPr>
-        <p:txBody>
-          <a:bodyPr wrap="square" rtlCol="0">
-            <a:spAutoFit/>
-          </a:bodyPr>
-          <a:lstStyle/>
-          <a:p>
-            <a:r>
-              <a:rPr lang="en-US" altLang="zh-CN" dirty="0"/>
-              <a:t>Prepare</a:t>
-            </a:r>
-            <a:endParaRPr lang="zh-CN" altLang="en-US" dirty="0"/>
-          </a:p>
-        </p:txBody>
-      </p:sp>
       <p:cxnSp>
         <p:nvCxnSpPr>
           <p:cNvPr id="35" name="直接箭头连接符 34">
@@ -3638,8 +3602,8 @@
         </p:nvCxnSpPr>
         <p:spPr>
           <a:xfrm>
-            <a:off x="1351053" y="1098798"/>
-            <a:ext cx="3428144" cy="158913"/>
+            <a:off x="1351053" y="1008132"/>
+            <a:ext cx="3428144" cy="241842"/>
           </a:xfrm>
           <a:prstGeom prst="straightConnector1">
             <a:avLst/>
@@ -3677,7 +3641,7 @@
         </p:nvSpPr>
         <p:spPr>
           <a:xfrm>
-            <a:off x="1392148" y="725136"/>
+            <a:off x="2543281" y="727311"/>
             <a:ext cx="1277415" cy="369332"/>
           </a:xfrm>
           <a:prstGeom prst="rect">
@@ -3699,42 +3663,6 @@
           </a:p>
         </p:txBody>
       </p:sp>
-      <p:sp>
-        <p:nvSpPr>
-          <p:cNvPr id="33" name="文本框 32">
-            <a:extLst>
-              <a:ext uri="{FF2B5EF4-FFF2-40B4-BE49-F238E27FC236}">
-                <a16:creationId xmlns:a16="http://schemas.microsoft.com/office/drawing/2014/main" id="{913AE6B1-3F05-4E9C-8A6A-7C2AB95FDA8B}"/>
-              </a:ext>
-            </a:extLst>
-          </p:cNvPr>
-          <p:cNvSpPr txBox="1"/>
-          <p:nvPr/>
-        </p:nvSpPr>
-        <p:spPr>
-          <a:xfrm>
-            <a:off x="2512898" y="1410129"/>
-            <a:ext cx="1277415" cy="369332"/>
-          </a:xfrm>
-          <a:prstGeom prst="rect">
-            <a:avLst/>
-          </a:prstGeom>
-          <a:noFill/>
-        </p:spPr>
-        <p:txBody>
-          <a:bodyPr wrap="square" rtlCol="0">
-            <a:spAutoFit/>
-          </a:bodyPr>
-          <a:lstStyle/>
-          <a:p>
-            <a:r>
-              <a:rPr lang="en-US" altLang="zh-CN" dirty="0"/>
-              <a:t>ACK</a:t>
-            </a:r>
-            <a:endParaRPr lang="zh-CN" altLang="en-US" dirty="0"/>
-          </a:p>
-        </p:txBody>
-      </p:sp>
       <p:cxnSp>
         <p:nvCxnSpPr>
           <p:cNvPr id="46" name="直接箭头连接符 45">
@@ -3751,8 +3679,8 @@
         </p:nvCxnSpPr>
         <p:spPr>
           <a:xfrm flipH="1">
-            <a:off x="1392148" y="1329009"/>
-            <a:ext cx="2207233" cy="381101"/>
+            <a:off x="1399008" y="1329009"/>
+            <a:ext cx="2200374" cy="265786"/>
           </a:xfrm>
           <a:prstGeom prst="straightConnector1">
             <a:avLst/>
@@ -3792,8 +3720,8 @@
         </p:nvCxnSpPr>
         <p:spPr>
           <a:xfrm flipH="1">
-            <a:off x="1371600" y="1331042"/>
-            <a:ext cx="3407597" cy="225360"/>
+            <a:off x="1392148" y="1331042"/>
+            <a:ext cx="3387050" cy="377673"/>
           </a:xfrm>
           <a:prstGeom prst="straightConnector1">
             <a:avLst/>
@@ -3831,7 +3759,7 @@
         </p:nvSpPr>
         <p:spPr>
           <a:xfrm>
-            <a:off x="3883647" y="1288065"/>
+            <a:off x="2869501" y="1445330"/>
             <a:ext cx="1277415" cy="369332"/>
           </a:xfrm>
           <a:prstGeom prst="rect">

--- a/images/2PC.pptx
+++ b/images/2PC.pptx
@@ -259,7 +259,7 @@
           <a:p>
             <a:fld id="{1E59F7D0-BD44-4556-8C3E-44D1CF9A165D}" type="datetimeFigureOut">
               <a:rPr lang="zh-CN" altLang="en-US" smtClean="0"/>
-              <a:t>2021/1/24</a:t>
+              <a:t>2021/6/28</a:t>
             </a:fld>
             <a:endParaRPr lang="zh-CN" altLang="en-US"/>
           </a:p>
@@ -457,7 +457,7 @@
           <a:p>
             <a:fld id="{1E59F7D0-BD44-4556-8C3E-44D1CF9A165D}" type="datetimeFigureOut">
               <a:rPr lang="zh-CN" altLang="en-US" smtClean="0"/>
-              <a:t>2021/1/24</a:t>
+              <a:t>2021/6/28</a:t>
             </a:fld>
             <a:endParaRPr lang="zh-CN" altLang="en-US"/>
           </a:p>
@@ -665,7 +665,7 @@
           <a:p>
             <a:fld id="{1E59F7D0-BD44-4556-8C3E-44D1CF9A165D}" type="datetimeFigureOut">
               <a:rPr lang="zh-CN" altLang="en-US" smtClean="0"/>
-              <a:t>2021/1/24</a:t>
+              <a:t>2021/6/28</a:t>
             </a:fld>
             <a:endParaRPr lang="zh-CN" altLang="en-US"/>
           </a:p>
@@ -863,7 +863,7 @@
           <a:p>
             <a:fld id="{1E59F7D0-BD44-4556-8C3E-44D1CF9A165D}" type="datetimeFigureOut">
               <a:rPr lang="zh-CN" altLang="en-US" smtClean="0"/>
-              <a:t>2021/1/24</a:t>
+              <a:t>2021/6/28</a:t>
             </a:fld>
             <a:endParaRPr lang="zh-CN" altLang="en-US"/>
           </a:p>
@@ -1138,7 +1138,7 @@
           <a:p>
             <a:fld id="{1E59F7D0-BD44-4556-8C3E-44D1CF9A165D}" type="datetimeFigureOut">
               <a:rPr lang="zh-CN" altLang="en-US" smtClean="0"/>
-              <a:t>2021/1/24</a:t>
+              <a:t>2021/6/28</a:t>
             </a:fld>
             <a:endParaRPr lang="zh-CN" altLang="en-US"/>
           </a:p>
@@ -1403,7 +1403,7 @@
           <a:p>
             <a:fld id="{1E59F7D0-BD44-4556-8C3E-44D1CF9A165D}" type="datetimeFigureOut">
               <a:rPr lang="zh-CN" altLang="en-US" smtClean="0"/>
-              <a:t>2021/1/24</a:t>
+              <a:t>2021/6/28</a:t>
             </a:fld>
             <a:endParaRPr lang="zh-CN" altLang="en-US"/>
           </a:p>
@@ -1815,7 +1815,7 @@
           <a:p>
             <a:fld id="{1E59F7D0-BD44-4556-8C3E-44D1CF9A165D}" type="datetimeFigureOut">
               <a:rPr lang="zh-CN" altLang="en-US" smtClean="0"/>
-              <a:t>2021/1/24</a:t>
+              <a:t>2021/6/28</a:t>
             </a:fld>
             <a:endParaRPr lang="zh-CN" altLang="en-US"/>
           </a:p>
@@ -1956,7 +1956,7 @@
           <a:p>
             <a:fld id="{1E59F7D0-BD44-4556-8C3E-44D1CF9A165D}" type="datetimeFigureOut">
               <a:rPr lang="zh-CN" altLang="en-US" smtClean="0"/>
-              <a:t>2021/1/24</a:t>
+              <a:t>2021/6/28</a:t>
             </a:fld>
             <a:endParaRPr lang="zh-CN" altLang="en-US"/>
           </a:p>
@@ -2069,7 +2069,7 @@
           <a:p>
             <a:fld id="{1E59F7D0-BD44-4556-8C3E-44D1CF9A165D}" type="datetimeFigureOut">
               <a:rPr lang="zh-CN" altLang="en-US" smtClean="0"/>
-              <a:t>2021/1/24</a:t>
+              <a:t>2021/6/28</a:t>
             </a:fld>
             <a:endParaRPr lang="zh-CN" altLang="en-US"/>
           </a:p>
@@ -2380,7 +2380,7 @@
           <a:p>
             <a:fld id="{1E59F7D0-BD44-4556-8C3E-44D1CF9A165D}" type="datetimeFigureOut">
               <a:rPr lang="zh-CN" altLang="en-US" smtClean="0"/>
-              <a:t>2021/1/24</a:t>
+              <a:t>2021/6/28</a:t>
             </a:fld>
             <a:endParaRPr lang="zh-CN" altLang="en-US"/>
           </a:p>
@@ -2668,7 +2668,7 @@
           <a:p>
             <a:fld id="{1E59F7D0-BD44-4556-8C3E-44D1CF9A165D}" type="datetimeFigureOut">
               <a:rPr lang="zh-CN" altLang="en-US" smtClean="0"/>
-              <a:t>2021/1/24</a:t>
+              <a:t>2021/6/28</a:t>
             </a:fld>
             <a:endParaRPr lang="zh-CN" altLang="en-US"/>
           </a:p>
@@ -2909,7 +2909,7 @@
           <a:p>
             <a:fld id="{1E59F7D0-BD44-4556-8C3E-44D1CF9A165D}" type="datetimeFigureOut">
               <a:rPr lang="zh-CN" altLang="en-US" smtClean="0"/>
-              <a:t>2021/1/24</a:t>
+              <a:t>2021/6/28</a:t>
             </a:fld>
             <a:endParaRPr lang="zh-CN" altLang="en-US"/>
           </a:p>
@@ -3878,6 +3878,7 @@
             <a:solidFill>
               <a:srgbClr val="C00000"/>
             </a:solidFill>
+            <a:prstDash val="dash"/>
             <a:tailEnd type="triangle"/>
           </a:ln>
         </p:spPr>
@@ -3966,6 +3967,7 @@
             <a:solidFill>
               <a:srgbClr val="C00000"/>
             </a:solidFill>
+            <a:prstDash val="dash"/>
             <a:tailEnd type="triangle"/>
           </a:ln>
         </p:spPr>
@@ -4010,6 +4012,7 @@
             <a:solidFill>
               <a:srgbClr val="C00000"/>
             </a:solidFill>
+            <a:prstDash val="dash"/>
             <a:tailEnd type="triangle"/>
           </a:ln>
         </p:spPr>
